--- a/Minitab tutorial by Tanmoy Das.pptx
+++ b/Minitab tutorial by Tanmoy Das.pptx
@@ -7,8 +7,12 @@
   <p:sldIdLst>
     <p:sldId id="256" r:id="rId2"/>
     <p:sldId id="257" r:id="rId3"/>
-    <p:sldId id="258" r:id="rId4"/>
-    <p:sldId id="259" r:id="rId5"/>
+    <p:sldId id="259" r:id="rId4"/>
+    <p:sldId id="263" r:id="rId5"/>
+    <p:sldId id="260" r:id="rId6"/>
+    <p:sldId id="261" r:id="rId7"/>
+    <p:sldId id="262" r:id="rId8"/>
+    <p:sldId id="264" r:id="rId9"/>
   </p:sldIdLst>
   <p:sldSz cx="12192000" cy="6858000"/>
   <p:notesSz cx="6858000" cy="9144000"/>
@@ -3030,12 +3034,21 @@
             <p:ph type="subTitle" idx="1"/>
           </p:nvPr>
         </p:nvSpPr>
-        <p:spPr/>
-        <p:txBody>
-          <a:bodyPr/>
-          <a:lstStyle/>
-          <a:p>
-            <a:endParaRPr lang="en-US"/>
+        <p:spPr>
+          <a:xfrm>
+            <a:off x="1524000" y="5202238"/>
+            <a:ext cx="9144000" cy="1655762"/>
+          </a:xfrm>
+        </p:spPr>
+        <p:txBody>
+          <a:bodyPr/>
+          <a:lstStyle/>
+          <a:p>
+            <a:r>
+              <a:rPr lang="en-US" dirty="0" smtClean="0"/>
+              <a:t>PART 3</a:t>
+            </a:r>
+            <a:endParaRPr lang="en-US" dirty="0"/>
           </a:p>
         </p:txBody>
       </p:sp>
@@ -3049,6 +3062,13 @@
   <p:clrMapOvr>
     <a:masterClrMapping/>
   </p:clrMapOvr>
+  <p:timing>
+    <p:tnLst>
+      <p:par>
+        <p:cTn id="1" dur="indefinite" restart="never" nodeType="tmRoot"/>
+      </p:par>
+    </p:tnLst>
+  </p:timing>
 </p:sld>
 </file>
 
@@ -3152,6 +3172,13 @@
   <p:clrMapOvr>
     <a:masterClrMapping/>
   </p:clrMapOvr>
+  <p:timing>
+    <p:tnLst>
+      <p:par>
+        <p:cTn id="1" dur="indefinite" restart="never" nodeType="tmRoot"/>
+      </p:par>
+    </p:tnLst>
+  </p:timing>
 </p:sld>
 </file>
 
@@ -3187,7 +3214,11 @@
           <a:bodyPr/>
           <a:lstStyle/>
           <a:p>
-            <a:endParaRPr lang="en-US"/>
+            <a:r>
+              <a:rPr lang="en-US" dirty="0" smtClean="0"/>
+              <a:t>Reliability</a:t>
+            </a:r>
+            <a:endParaRPr lang="en-US" dirty="0"/>
           </a:p>
         </p:txBody>
       </p:sp>
@@ -3198,28 +3229,87 @@
             <a:spLocks noGrp="1"/>
           </p:cNvSpPr>
           <p:nvPr>
-            <p:ph idx="1"/>
-          </p:nvPr>
-        </p:nvSpPr>
-        <p:spPr/>
-        <p:txBody>
-          <a:bodyPr/>
-          <a:lstStyle/>
-          <a:p>
-            <a:endParaRPr lang="en-US"/>
+            <p:ph sz="half" idx="1"/>
+          </p:nvPr>
+        </p:nvSpPr>
+        <p:spPr/>
+        <p:txBody>
+          <a:bodyPr/>
+          <a:lstStyle/>
+          <a:p>
+            <a:pPr marL="0" indent="0">
+              <a:buNone/>
+            </a:pPr>
+            <a:endParaRPr lang="en-US" dirty="0" smtClean="0">
+              <a:hlinkClick r:id="rId2"/>
+            </a:endParaRPr>
+          </a:p>
+          <a:p>
+            <a:pPr marL="0" indent="0">
+              <a:buNone/>
+            </a:pPr>
+            <a:r>
+              <a:rPr lang="en-US" dirty="0" smtClean="0">
+                <a:hlinkClick r:id="rId2"/>
+              </a:rPr>
+              <a:t>https://support.minitab.com/en-us/datasets/reliability-data-sets/dishwasher-reliability-data/</a:t>
+            </a:r>
+            <a:endParaRPr lang="en-US" dirty="0" smtClean="0"/>
+          </a:p>
+          <a:p>
+            <a:endParaRPr lang="en-US" dirty="0"/>
+          </a:p>
+        </p:txBody>
+      </p:sp>
+      <p:sp>
+        <p:nvSpPr>
+          <p:cNvPr id="4" name="Content Placeholder 3"/>
+          <p:cNvSpPr>
+            <a:spLocks noGrp="1"/>
+          </p:cNvSpPr>
+          <p:nvPr>
+            <p:ph sz="half" idx="2"/>
+          </p:nvPr>
+        </p:nvSpPr>
+        <p:spPr/>
+        <p:txBody>
+          <a:bodyPr/>
+          <a:lstStyle/>
+          <a:p>
+            <a:r>
+              <a:rPr lang="en-US" dirty="0" smtClean="0"/>
+              <a:t>Reliability testing </a:t>
+            </a:r>
+          </a:p>
+          <a:p>
+            <a:pPr lvl="1"/>
+            <a:r>
+              <a:rPr lang="en-US" dirty="0" smtClean="0"/>
+              <a:t>Stat -&gt; Reliability -&gt; Distribution Analysis (Right censoring) -&gt; Parametric Distribution Analysis</a:t>
+            </a:r>
+          </a:p>
+          <a:p>
+            <a:endParaRPr lang="en-US" dirty="0"/>
           </a:p>
         </p:txBody>
       </p:sp>
     </p:spTree>
     <p:extLst>
       <p:ext uri="{BB962C8B-B14F-4D97-AF65-F5344CB8AC3E}">
-        <p14:creationId xmlns:p14="http://schemas.microsoft.com/office/powerpoint/2010/main" val="882582585"/>
+        <p14:creationId xmlns:p14="http://schemas.microsoft.com/office/powerpoint/2010/main" val="3230175272"/>
       </p:ext>
     </p:extLst>
   </p:cSld>
   <p:clrMapOvr>
     <a:masterClrMapping/>
   </p:clrMapOvr>
+  <p:timing>
+    <p:tnLst>
+      <p:par>
+        <p:cTn id="1" dur="indefinite" restart="never" nodeType="tmRoot"/>
+      </p:par>
+    </p:tnLst>
+  </p:timing>
 </p:sld>
 </file>
 
@@ -3255,55 +3345,31 @@
           <a:bodyPr/>
           <a:lstStyle/>
           <a:p>
-            <a:r>
-              <a:rPr lang="en-US" dirty="0" smtClean="0"/>
-              <a:t>Reliability</a:t>
-            </a:r>
+            <a:endParaRPr lang="en-US"/>
+          </a:p>
+        </p:txBody>
+      </p:sp>
+      <p:sp>
+        <p:nvSpPr>
+          <p:cNvPr id="3" name="Content Placeholder 2"/>
+          <p:cNvSpPr>
+            <a:spLocks noGrp="1"/>
+          </p:cNvSpPr>
+          <p:nvPr>
+            <p:ph sz="half" idx="1"/>
+          </p:nvPr>
+        </p:nvSpPr>
+        <p:spPr/>
+        <p:txBody>
+          <a:bodyPr/>
+          <a:lstStyle/>
+          <a:p>
             <a:endParaRPr lang="en-US" dirty="0"/>
           </a:p>
         </p:txBody>
       </p:sp>
       <p:sp>
         <p:nvSpPr>
-          <p:cNvPr id="3" name="Content Placeholder 2"/>
-          <p:cNvSpPr>
-            <a:spLocks noGrp="1"/>
-          </p:cNvSpPr>
-          <p:nvPr>
-            <p:ph sz="half" idx="1"/>
-          </p:nvPr>
-        </p:nvSpPr>
-        <p:spPr/>
-        <p:txBody>
-          <a:bodyPr/>
-          <a:lstStyle/>
-          <a:p>
-            <a:pPr marL="0" indent="0">
-              <a:buNone/>
-            </a:pPr>
-            <a:endParaRPr lang="en-US" dirty="0" smtClean="0">
-              <a:hlinkClick r:id="rId2"/>
-            </a:endParaRPr>
-          </a:p>
-          <a:p>
-            <a:pPr marL="0" indent="0">
-              <a:buNone/>
-            </a:pPr>
-            <a:r>
-              <a:rPr lang="en-US" dirty="0" smtClean="0">
-                <a:hlinkClick r:id="rId2"/>
-              </a:rPr>
-              <a:t>https://support.minitab.com/en-us/datasets/reliability-data-sets/dishwasher-reliability-data/</a:t>
-            </a:r>
-            <a:endParaRPr lang="en-US" dirty="0" smtClean="0"/>
-          </a:p>
-          <a:p>
-            <a:endParaRPr lang="en-US" dirty="0"/>
-          </a:p>
-        </p:txBody>
-      </p:sp>
-      <p:sp>
-        <p:nvSpPr>
           <p:cNvPr id="4" name="Content Placeholder 3"/>
           <p:cNvSpPr>
             <a:spLocks noGrp="1"/>
@@ -3317,33 +3383,520 @@
           <a:bodyPr/>
           <a:lstStyle/>
           <a:p>
-            <a:r>
-              <a:rPr lang="en-US" dirty="0" smtClean="0"/>
-              <a:t>Reliability testing </a:t>
-            </a:r>
-          </a:p>
-          <a:p>
-            <a:pPr lvl="1"/>
-            <a:r>
-              <a:rPr lang="en-US" dirty="0" smtClean="0"/>
-              <a:t>Stat -&gt; Reliability -&gt; Distribution Analysis (Right censoring) -&gt; Parametric Distribution Analysis</a:t>
-            </a:r>
-          </a:p>
-          <a:p>
-            <a:endParaRPr lang="en-US" dirty="0"/>
-          </a:p>
-        </p:txBody>
-      </p:sp>
+            <a:endParaRPr lang="en-US"/>
+          </a:p>
+        </p:txBody>
+      </p:sp>
+      <p:pic>
+        <p:nvPicPr>
+          <p:cNvPr id="5" name="Picture 4"/>
+          <p:cNvPicPr>
+            <a:picLocks noChangeAspect="1"/>
+          </p:cNvPicPr>
+          <p:nvPr/>
+        </p:nvPicPr>
+        <p:blipFill>
+          <a:blip r:embed="rId2"/>
+          <a:stretch>
+            <a:fillRect/>
+          </a:stretch>
+        </p:blipFill>
+        <p:spPr>
+          <a:xfrm>
+            <a:off x="80213" y="365125"/>
+            <a:ext cx="11879173" cy="4769583"/>
+          </a:xfrm>
+          <a:prstGeom prst="rect">
+            <a:avLst/>
+          </a:prstGeom>
+        </p:spPr>
+      </p:pic>
     </p:spTree>
     <p:extLst>
       <p:ext uri="{BB962C8B-B14F-4D97-AF65-F5344CB8AC3E}">
-        <p14:creationId xmlns:p14="http://schemas.microsoft.com/office/powerpoint/2010/main" val="3230175272"/>
+        <p14:creationId xmlns:p14="http://schemas.microsoft.com/office/powerpoint/2010/main" val="4116867977"/>
       </p:ext>
     </p:extLst>
   </p:cSld>
   <p:clrMapOvr>
     <a:masterClrMapping/>
   </p:clrMapOvr>
+  <p:timing>
+    <p:tnLst>
+      <p:par>
+        <p:cTn id="1" dur="indefinite" restart="never" nodeType="tmRoot"/>
+      </p:par>
+    </p:tnLst>
+  </p:timing>
+</p:sld>
+</file>
+
+<file path=ppt/slides/slide5.xml><?xml version="1.0" encoding="utf-8"?>
+<p:sld xmlns:a="http://schemas.openxmlformats.org/drawingml/2006/main" xmlns:r="http://schemas.openxmlformats.org/officeDocument/2006/relationships" xmlns:p="http://schemas.openxmlformats.org/presentationml/2006/main">
+  <p:cSld>
+    <p:spTree>
+      <p:nvGrpSpPr>
+        <p:cNvPr id="1" name=""/>
+        <p:cNvGrpSpPr/>
+        <p:nvPr/>
+      </p:nvGrpSpPr>
+      <p:grpSpPr>
+        <a:xfrm>
+          <a:off x="0" y="0"/>
+          <a:ext cx="0" cy="0"/>
+          <a:chOff x="0" y="0"/>
+          <a:chExt cx="0" cy="0"/>
+        </a:xfrm>
+      </p:grpSpPr>
+      <p:sp>
+        <p:nvSpPr>
+          <p:cNvPr id="2" name="Title 1"/>
+          <p:cNvSpPr>
+            <a:spLocks noGrp="1"/>
+          </p:cNvSpPr>
+          <p:nvPr>
+            <p:ph type="title"/>
+          </p:nvPr>
+        </p:nvSpPr>
+        <p:spPr/>
+        <p:txBody>
+          <a:bodyPr/>
+          <a:lstStyle/>
+          <a:p>
+            <a:r>
+              <a:rPr lang="en-US" dirty="0" smtClean="0"/>
+              <a:t>Time Series</a:t>
+            </a:r>
+            <a:endParaRPr lang="en-US" dirty="0"/>
+          </a:p>
+        </p:txBody>
+      </p:sp>
+      <p:sp>
+        <p:nvSpPr>
+          <p:cNvPr id="3" name="Content Placeholder 2"/>
+          <p:cNvSpPr>
+            <a:spLocks noGrp="1"/>
+          </p:cNvSpPr>
+          <p:nvPr>
+            <p:ph sz="half" idx="1"/>
+          </p:nvPr>
+        </p:nvSpPr>
+        <p:spPr/>
+        <p:txBody>
+          <a:bodyPr/>
+          <a:lstStyle/>
+          <a:p>
+            <a:endParaRPr lang="en-US" dirty="0"/>
+          </a:p>
+        </p:txBody>
+      </p:sp>
+      <p:sp>
+        <p:nvSpPr>
+          <p:cNvPr id="4" name="Content Placeholder 3"/>
+          <p:cNvSpPr>
+            <a:spLocks noGrp="1"/>
+          </p:cNvSpPr>
+          <p:nvPr>
+            <p:ph sz="half" idx="2"/>
+          </p:nvPr>
+        </p:nvSpPr>
+        <p:spPr/>
+        <p:txBody>
+          <a:bodyPr/>
+          <a:lstStyle/>
+          <a:p>
+            <a:endParaRPr lang="en-US"/>
+          </a:p>
+        </p:txBody>
+      </p:sp>
+      <p:pic>
+        <p:nvPicPr>
+          <p:cNvPr id="5" name="Picture 4"/>
+          <p:cNvPicPr>
+            <a:picLocks noChangeAspect="1"/>
+          </p:cNvPicPr>
+          <p:nvPr/>
+        </p:nvPicPr>
+        <p:blipFill>
+          <a:blip r:embed="rId2"/>
+          <a:stretch>
+            <a:fillRect/>
+          </a:stretch>
+        </p:blipFill>
+        <p:spPr>
+          <a:xfrm>
+            <a:off x="6639802" y="1995400"/>
+            <a:ext cx="4713998" cy="3140156"/>
+          </a:xfrm>
+          <a:prstGeom prst="rect">
+            <a:avLst/>
+          </a:prstGeom>
+        </p:spPr>
+      </p:pic>
+    </p:spTree>
+    <p:extLst>
+      <p:ext uri="{BB962C8B-B14F-4D97-AF65-F5344CB8AC3E}">
+        <p14:creationId xmlns:p14="http://schemas.microsoft.com/office/powerpoint/2010/main" val="3630119430"/>
+      </p:ext>
+    </p:extLst>
+  </p:cSld>
+  <p:clrMapOvr>
+    <a:masterClrMapping/>
+  </p:clrMapOvr>
+  <p:timing>
+    <p:tnLst>
+      <p:par>
+        <p:cTn id="1" dur="indefinite" restart="never" nodeType="tmRoot"/>
+      </p:par>
+    </p:tnLst>
+  </p:timing>
+</p:sld>
+</file>
+
+<file path=ppt/slides/slide6.xml><?xml version="1.0" encoding="utf-8"?>
+<p:sld xmlns:a="http://schemas.openxmlformats.org/drawingml/2006/main" xmlns:r="http://schemas.openxmlformats.org/officeDocument/2006/relationships" xmlns:p="http://schemas.openxmlformats.org/presentationml/2006/main">
+  <p:cSld>
+    <p:spTree>
+      <p:nvGrpSpPr>
+        <p:cNvPr id="1" name=""/>
+        <p:cNvGrpSpPr/>
+        <p:nvPr/>
+      </p:nvGrpSpPr>
+      <p:grpSpPr>
+        <a:xfrm>
+          <a:off x="0" y="0"/>
+          <a:ext cx="0" cy="0"/>
+          <a:chOff x="0" y="0"/>
+          <a:chExt cx="0" cy="0"/>
+        </a:xfrm>
+      </p:grpSpPr>
+      <p:sp>
+        <p:nvSpPr>
+          <p:cNvPr id="2" name="Title 1"/>
+          <p:cNvSpPr>
+            <a:spLocks noGrp="1"/>
+          </p:cNvSpPr>
+          <p:nvPr>
+            <p:ph type="title"/>
+          </p:nvPr>
+        </p:nvSpPr>
+        <p:spPr/>
+        <p:txBody>
+          <a:bodyPr/>
+          <a:lstStyle/>
+          <a:p>
+            <a:r>
+              <a:rPr lang="en-US" dirty="0" smtClean="0"/>
+              <a:t>Statistics</a:t>
+            </a:r>
+            <a:endParaRPr lang="en-US" dirty="0"/>
+          </a:p>
+        </p:txBody>
+      </p:sp>
+      <p:sp>
+        <p:nvSpPr>
+          <p:cNvPr id="3" name="Content Placeholder 2"/>
+          <p:cNvSpPr>
+            <a:spLocks noGrp="1"/>
+          </p:cNvSpPr>
+          <p:nvPr>
+            <p:ph sz="half" idx="1"/>
+          </p:nvPr>
+        </p:nvSpPr>
+        <p:spPr/>
+        <p:txBody>
+          <a:bodyPr/>
+          <a:lstStyle/>
+          <a:p>
+            <a:r>
+              <a:rPr lang="en-US" dirty="0" smtClean="0"/>
+              <a:t>Chi square</a:t>
+            </a:r>
+          </a:p>
+          <a:p>
+            <a:r>
+              <a:rPr lang="en-US" dirty="0" smtClean="0"/>
+              <a:t>https://support.minitab.com/en-us/datasets/tables-data-sets/pulse-rates-data/</a:t>
+            </a:r>
+            <a:endParaRPr lang="en-US" dirty="0"/>
+          </a:p>
+        </p:txBody>
+      </p:sp>
+      <p:sp>
+        <p:nvSpPr>
+          <p:cNvPr id="4" name="Content Placeholder 3"/>
+          <p:cNvSpPr>
+            <a:spLocks noGrp="1"/>
+          </p:cNvSpPr>
+          <p:nvPr>
+            <p:ph sz="half" idx="2"/>
+          </p:nvPr>
+        </p:nvSpPr>
+        <p:spPr/>
+        <p:txBody>
+          <a:bodyPr/>
+          <a:lstStyle/>
+          <a:p>
+            <a:r>
+              <a:rPr lang="en-US" dirty="0" smtClean="0"/>
+              <a:t>Goodness of fit test</a:t>
+            </a:r>
+          </a:p>
+          <a:p>
+            <a:endParaRPr lang="en-US" dirty="0"/>
+          </a:p>
+        </p:txBody>
+      </p:sp>
+    </p:spTree>
+    <p:extLst>
+      <p:ext uri="{BB962C8B-B14F-4D97-AF65-F5344CB8AC3E}">
+        <p14:creationId xmlns:p14="http://schemas.microsoft.com/office/powerpoint/2010/main" val="3878821762"/>
+      </p:ext>
+    </p:extLst>
+  </p:cSld>
+  <p:clrMapOvr>
+    <a:masterClrMapping/>
+  </p:clrMapOvr>
+  <p:timing>
+    <p:tnLst>
+      <p:par>
+        <p:cTn id="1" dur="indefinite" restart="never" nodeType="tmRoot"/>
+      </p:par>
+    </p:tnLst>
+  </p:timing>
+</p:sld>
+</file>
+
+<file path=ppt/slides/slide7.xml><?xml version="1.0" encoding="utf-8"?>
+<p:sld xmlns:a="http://schemas.openxmlformats.org/drawingml/2006/main" xmlns:r="http://schemas.openxmlformats.org/officeDocument/2006/relationships" xmlns:p="http://schemas.openxmlformats.org/presentationml/2006/main">
+  <p:cSld>
+    <p:spTree>
+      <p:nvGrpSpPr>
+        <p:cNvPr id="1" name=""/>
+        <p:cNvGrpSpPr/>
+        <p:nvPr/>
+      </p:nvGrpSpPr>
+      <p:grpSpPr>
+        <a:xfrm>
+          <a:off x="0" y="0"/>
+          <a:ext cx="0" cy="0"/>
+          <a:chOff x="0" y="0"/>
+          <a:chExt cx="0" cy="0"/>
+        </a:xfrm>
+      </p:grpSpPr>
+      <p:sp>
+        <p:nvSpPr>
+          <p:cNvPr id="2" name="Title 1"/>
+          <p:cNvSpPr>
+            <a:spLocks noGrp="1"/>
+          </p:cNvSpPr>
+          <p:nvPr>
+            <p:ph type="title"/>
+          </p:nvPr>
+        </p:nvSpPr>
+        <p:spPr>
+          <a:xfrm>
+            <a:off x="762000" y="48092"/>
+            <a:ext cx="10515600" cy="1325563"/>
+          </a:xfrm>
+        </p:spPr>
+        <p:txBody>
+          <a:bodyPr/>
+          <a:lstStyle/>
+          <a:p>
+            <a:r>
+              <a:rPr lang="en-US" dirty="0" smtClean="0"/>
+              <a:t>Multivariate</a:t>
+            </a:r>
+            <a:endParaRPr lang="en-US" dirty="0"/>
+          </a:p>
+        </p:txBody>
+      </p:sp>
+      <p:sp>
+        <p:nvSpPr>
+          <p:cNvPr id="3" name="Content Placeholder 2"/>
+          <p:cNvSpPr>
+            <a:spLocks noGrp="1"/>
+          </p:cNvSpPr>
+          <p:nvPr>
+            <p:ph sz="half" idx="1"/>
+          </p:nvPr>
+        </p:nvSpPr>
+        <p:spPr/>
+        <p:txBody>
+          <a:bodyPr/>
+          <a:lstStyle/>
+          <a:p>
+            <a:endParaRPr lang="en-US" dirty="0"/>
+          </a:p>
+        </p:txBody>
+      </p:sp>
+      <p:sp>
+        <p:nvSpPr>
+          <p:cNvPr id="4" name="Content Placeholder 3"/>
+          <p:cNvSpPr>
+            <a:spLocks noGrp="1"/>
+          </p:cNvSpPr>
+          <p:nvPr>
+            <p:ph sz="half" idx="2"/>
+          </p:nvPr>
+        </p:nvSpPr>
+        <p:spPr/>
+        <p:txBody>
+          <a:bodyPr/>
+          <a:lstStyle/>
+          <a:p>
+            <a:r>
+              <a:rPr lang="en-US" dirty="0" smtClean="0"/>
+              <a:t>https://support.minitab.com/en-us/datasets/multivariate-data-sets/job-applicants-data/</a:t>
+            </a:r>
+            <a:endParaRPr lang="en-US" dirty="0"/>
+          </a:p>
+        </p:txBody>
+      </p:sp>
+    </p:spTree>
+    <p:extLst>
+      <p:ext uri="{BB962C8B-B14F-4D97-AF65-F5344CB8AC3E}">
+        <p14:creationId xmlns:p14="http://schemas.microsoft.com/office/powerpoint/2010/main" val="2783578848"/>
+      </p:ext>
+    </p:extLst>
+  </p:cSld>
+  <p:clrMapOvr>
+    <a:masterClrMapping/>
+  </p:clrMapOvr>
+  <p:timing>
+    <p:tnLst>
+      <p:par>
+        <p:cTn id="1" dur="indefinite" restart="never" nodeType="tmRoot"/>
+      </p:par>
+    </p:tnLst>
+  </p:timing>
+</p:sld>
+</file>
+
+<file path=ppt/slides/slide8.xml><?xml version="1.0" encoding="utf-8"?>
+<p:sld xmlns:a="http://schemas.openxmlformats.org/drawingml/2006/main" xmlns:r="http://schemas.openxmlformats.org/officeDocument/2006/relationships" xmlns:p="http://schemas.openxmlformats.org/presentationml/2006/main">
+  <p:cSld>
+    <p:spTree>
+      <p:nvGrpSpPr>
+        <p:cNvPr id="1" name=""/>
+        <p:cNvGrpSpPr/>
+        <p:nvPr/>
+      </p:nvGrpSpPr>
+      <p:grpSpPr>
+        <a:xfrm>
+          <a:off x="0" y="0"/>
+          <a:ext cx="0" cy="0"/>
+          <a:chOff x="0" y="0"/>
+          <a:chExt cx="0" cy="0"/>
+        </a:xfrm>
+      </p:grpSpPr>
+      <p:sp>
+        <p:nvSpPr>
+          <p:cNvPr id="2" name="Title 1"/>
+          <p:cNvSpPr>
+            <a:spLocks noGrp="1"/>
+          </p:cNvSpPr>
+          <p:nvPr>
+            <p:ph type="title"/>
+          </p:nvPr>
+        </p:nvSpPr>
+        <p:spPr>
+          <a:xfrm>
+            <a:off x="762000" y="48092"/>
+            <a:ext cx="10515600" cy="1325563"/>
+          </a:xfrm>
+        </p:spPr>
+        <p:txBody>
+          <a:bodyPr/>
+          <a:lstStyle/>
+          <a:p>
+            <a:r>
+              <a:rPr lang="en-US" dirty="0" smtClean="0"/>
+              <a:t>Multivariate</a:t>
+            </a:r>
+            <a:endParaRPr lang="en-US" dirty="0"/>
+          </a:p>
+        </p:txBody>
+      </p:sp>
+      <p:sp>
+        <p:nvSpPr>
+          <p:cNvPr id="3" name="Content Placeholder 2"/>
+          <p:cNvSpPr>
+            <a:spLocks noGrp="1"/>
+          </p:cNvSpPr>
+          <p:nvPr>
+            <p:ph sz="half" idx="1"/>
+          </p:nvPr>
+        </p:nvSpPr>
+        <p:spPr/>
+        <p:txBody>
+          <a:bodyPr/>
+          <a:lstStyle/>
+          <a:p>
+            <a:endParaRPr lang="en-US" dirty="0"/>
+          </a:p>
+        </p:txBody>
+      </p:sp>
+      <p:sp>
+        <p:nvSpPr>
+          <p:cNvPr id="4" name="Content Placeholder 3"/>
+          <p:cNvSpPr>
+            <a:spLocks noGrp="1"/>
+          </p:cNvSpPr>
+          <p:nvPr>
+            <p:ph sz="half" idx="2"/>
+          </p:nvPr>
+        </p:nvSpPr>
+        <p:spPr/>
+        <p:txBody>
+          <a:bodyPr/>
+          <a:lstStyle/>
+          <a:p>
+            <a:endParaRPr lang="en-US"/>
+          </a:p>
+        </p:txBody>
+      </p:sp>
+      <p:pic>
+        <p:nvPicPr>
+          <p:cNvPr id="5" name="Picture 4"/>
+          <p:cNvPicPr>
+            <a:picLocks noChangeAspect="1"/>
+          </p:cNvPicPr>
+          <p:nvPr/>
+        </p:nvPicPr>
+        <p:blipFill rotWithShape="1">
+          <a:blip r:embed="rId2"/>
+          <a:srcRect r="45167" b="44277"/>
+          <a:stretch/>
+        </p:blipFill>
+        <p:spPr>
+          <a:xfrm>
+            <a:off x="2307030" y="1373655"/>
+            <a:ext cx="9046770" cy="5255278"/>
+          </a:xfrm>
+          <a:prstGeom prst="rect">
+            <a:avLst/>
+          </a:prstGeom>
+        </p:spPr>
+      </p:pic>
+    </p:spTree>
+    <p:extLst>
+      <p:ext uri="{BB962C8B-B14F-4D97-AF65-F5344CB8AC3E}">
+        <p14:creationId xmlns:p14="http://schemas.microsoft.com/office/powerpoint/2010/main" val="871000754"/>
+      </p:ext>
+    </p:extLst>
+  </p:cSld>
+  <p:clrMapOvr>
+    <a:masterClrMapping/>
+  </p:clrMapOvr>
+  <p:timing>
+    <p:tnLst>
+      <p:par>
+        <p:cTn id="1" dur="indefinite" restart="never" nodeType="tmRoot"/>
+      </p:par>
+    </p:tnLst>
+  </p:timing>
 </p:sld>
 </file>
 
@@ -3388,76 +3941,16 @@
         <a:srgbClr val="954F72"/>
       </a:folHlink>
     </a:clrScheme>
-    <a:fontScheme name="Office">
+    <a:fontScheme name="Custom 1">
       <a:majorFont>
-        <a:latin typeface="Calibri Light" panose="020F0302020204030204"/>
+        <a:latin typeface="Cambria"/>
         <a:ea typeface=""/>
         <a:cs typeface=""/>
-        <a:font script="Jpan" typeface="ＭＳ Ｐゴシック"/>
-        <a:font script="Hang" typeface="맑은 고딕"/>
-        <a:font script="Hans" typeface="宋体"/>
-        <a:font script="Hant" typeface="新細明體"/>
-        <a:font script="Arab" typeface="Times New Roman"/>
-        <a:font script="Hebr" typeface="Times New Roman"/>
-        <a:font script="Thai" typeface="Angsana New"/>
-        <a:font script="Ethi" typeface="Nyala"/>
-        <a:font script="Beng" typeface="Vrinda"/>
-        <a:font script="Gujr" typeface="Shruti"/>
-        <a:font script="Khmr" typeface="MoolBoran"/>
-        <a:font script="Knda" typeface="Tunga"/>
-        <a:font script="Guru" typeface="Raavi"/>
-        <a:font script="Cans" typeface="Euphemia"/>
-        <a:font script="Cher" typeface="Plantagenet Cherokee"/>
-        <a:font script="Yiii" typeface="Microsoft Yi Baiti"/>
-        <a:font script="Tibt" typeface="Microsoft Himalaya"/>
-        <a:font script="Thaa" typeface="MV Boli"/>
-        <a:font script="Deva" typeface="Mangal"/>
-        <a:font script="Telu" typeface="Gautami"/>
-        <a:font script="Taml" typeface="Latha"/>
-        <a:font script="Syrc" typeface="Estrangelo Edessa"/>
-        <a:font script="Orya" typeface="Kalinga"/>
-        <a:font script="Mlym" typeface="Kartika"/>
-        <a:font script="Laoo" typeface="DokChampa"/>
-        <a:font script="Sinh" typeface="Iskoola Pota"/>
-        <a:font script="Mong" typeface="Mongolian Baiti"/>
-        <a:font script="Viet" typeface="Times New Roman"/>
-        <a:font script="Uigh" typeface="Microsoft Uighur"/>
-        <a:font script="Geor" typeface="Sylfaen"/>
       </a:majorFont>
       <a:minorFont>
-        <a:latin typeface="Calibri" panose="020F0502020204030204"/>
+        <a:latin typeface="Footlight MT Light"/>
         <a:ea typeface=""/>
         <a:cs typeface=""/>
-        <a:font script="Jpan" typeface="ＭＳ Ｐゴシック"/>
-        <a:font script="Hang" typeface="맑은 고딕"/>
-        <a:font script="Hans" typeface="宋体"/>
-        <a:font script="Hant" typeface="新細明體"/>
-        <a:font script="Arab" typeface="Arial"/>
-        <a:font script="Hebr" typeface="Arial"/>
-        <a:font script="Thai" typeface="Cordia New"/>
-        <a:font script="Ethi" typeface="Nyala"/>
-        <a:font script="Beng" typeface="Vrinda"/>
-        <a:font script="Gujr" typeface="Shruti"/>
-        <a:font script="Khmr" typeface="DaunPenh"/>
-        <a:font script="Knda" typeface="Tunga"/>
-        <a:font script="Guru" typeface="Raavi"/>
-        <a:font script="Cans" typeface="Euphemia"/>
-        <a:font script="Cher" typeface="Plantagenet Cherokee"/>
-        <a:font script="Yiii" typeface="Microsoft Yi Baiti"/>
-        <a:font script="Tibt" typeface="Microsoft Himalaya"/>
-        <a:font script="Thaa" typeface="MV Boli"/>
-        <a:font script="Deva" typeface="Mangal"/>
-        <a:font script="Telu" typeface="Gautami"/>
-        <a:font script="Taml" typeface="Latha"/>
-        <a:font script="Syrc" typeface="Estrangelo Edessa"/>
-        <a:font script="Orya" typeface="Kalinga"/>
-        <a:font script="Mlym" typeface="Kartika"/>
-        <a:font script="Laoo" typeface="DokChampa"/>
-        <a:font script="Sinh" typeface="Iskoola Pota"/>
-        <a:font script="Mong" typeface="Mongolian Baiti"/>
-        <a:font script="Viet" typeface="Arial"/>
-        <a:font script="Uigh" typeface="Microsoft Uighur"/>
-        <a:font script="Geor" typeface="Sylfaen"/>
       </a:minorFont>
     </a:fontScheme>
     <a:fmtScheme name="Office">

--- a/Minitab tutorial by Tanmoy Das.pptx
+++ b/Minitab tutorial by Tanmoy Das.pptx
@@ -111,6 +111,11 @@
       </a:defRPr>
     </a:lvl9pPr>
   </p:defaultTextStyle>
+  <p:extLst>
+    <p:ext uri="{EFAFB233-063F-42B5-8137-9DF3F51BA10A}">
+      <p15:sldGuideLst xmlns:p15="http://schemas.microsoft.com/office/powerpoint/2012/main"/>
+    </p:ext>
+  </p:extLst>
 </p:presentation>
 </file>
 
@@ -245,7 +250,7 @@
           <a:p>
             <a:fld id="{09E3EA71-C249-425D-9966-2BE18EF4A908}" type="datetimeFigureOut">
               <a:rPr lang="en-US" smtClean="0"/>
-              <a:t>9/28/2018</a:t>
+              <a:t>10/13/2018</a:t>
             </a:fld>
             <a:endParaRPr lang="en-US"/>
           </a:p>
@@ -415,7 +420,7 @@
           <a:p>
             <a:fld id="{09E3EA71-C249-425D-9966-2BE18EF4A908}" type="datetimeFigureOut">
               <a:rPr lang="en-US" smtClean="0"/>
-              <a:t>9/28/2018</a:t>
+              <a:t>10/13/2018</a:t>
             </a:fld>
             <a:endParaRPr lang="en-US"/>
           </a:p>
@@ -595,7 +600,7 @@
           <a:p>
             <a:fld id="{09E3EA71-C249-425D-9966-2BE18EF4A908}" type="datetimeFigureOut">
               <a:rPr lang="en-US" smtClean="0"/>
-              <a:t>9/28/2018</a:t>
+              <a:t>10/13/2018</a:t>
             </a:fld>
             <a:endParaRPr lang="en-US"/>
           </a:p>
@@ -765,7 +770,7 @@
           <a:p>
             <a:fld id="{09E3EA71-C249-425D-9966-2BE18EF4A908}" type="datetimeFigureOut">
               <a:rPr lang="en-US" smtClean="0"/>
-              <a:t>9/28/2018</a:t>
+              <a:t>10/13/2018</a:t>
             </a:fld>
             <a:endParaRPr lang="en-US"/>
           </a:p>
@@ -1011,7 +1016,7 @@
           <a:p>
             <a:fld id="{09E3EA71-C249-425D-9966-2BE18EF4A908}" type="datetimeFigureOut">
               <a:rPr lang="en-US" smtClean="0"/>
-              <a:t>9/28/2018</a:t>
+              <a:t>10/13/2018</a:t>
             </a:fld>
             <a:endParaRPr lang="en-US"/>
           </a:p>
@@ -1243,7 +1248,7 @@
           <a:p>
             <a:fld id="{09E3EA71-C249-425D-9966-2BE18EF4A908}" type="datetimeFigureOut">
               <a:rPr lang="en-US" smtClean="0"/>
-              <a:t>9/28/2018</a:t>
+              <a:t>10/13/2018</a:t>
             </a:fld>
             <a:endParaRPr lang="en-US"/>
           </a:p>
@@ -1610,7 +1615,7 @@
           <a:p>
             <a:fld id="{09E3EA71-C249-425D-9966-2BE18EF4A908}" type="datetimeFigureOut">
               <a:rPr lang="en-US" smtClean="0"/>
-              <a:t>9/28/2018</a:t>
+              <a:t>10/13/2018</a:t>
             </a:fld>
             <a:endParaRPr lang="en-US"/>
           </a:p>
@@ -1728,7 +1733,7 @@
           <a:p>
             <a:fld id="{09E3EA71-C249-425D-9966-2BE18EF4A908}" type="datetimeFigureOut">
               <a:rPr lang="en-US" smtClean="0"/>
-              <a:t>9/28/2018</a:t>
+              <a:t>10/13/2018</a:t>
             </a:fld>
             <a:endParaRPr lang="en-US"/>
           </a:p>
@@ -1823,7 +1828,7 @@
           <a:p>
             <a:fld id="{09E3EA71-C249-425D-9966-2BE18EF4A908}" type="datetimeFigureOut">
               <a:rPr lang="en-US" smtClean="0"/>
-              <a:t>9/28/2018</a:t>
+              <a:t>10/13/2018</a:t>
             </a:fld>
             <a:endParaRPr lang="en-US"/>
           </a:p>
@@ -2100,7 +2105,7 @@
           <a:p>
             <a:fld id="{09E3EA71-C249-425D-9966-2BE18EF4A908}" type="datetimeFigureOut">
               <a:rPr lang="en-US" smtClean="0"/>
-              <a:t>9/28/2018</a:t>
+              <a:t>10/13/2018</a:t>
             </a:fld>
             <a:endParaRPr lang="en-US"/>
           </a:p>
@@ -2353,7 +2358,7 @@
           <a:p>
             <a:fld id="{09E3EA71-C249-425D-9966-2BE18EF4A908}" type="datetimeFigureOut">
               <a:rPr lang="en-US" smtClean="0"/>
-              <a:t>9/28/2018</a:t>
+              <a:t>10/13/2018</a:t>
             </a:fld>
             <a:endParaRPr lang="en-US"/>
           </a:p>
@@ -2580,7 +2585,7 @@
           <a:p>
             <a:fld id="{09E3EA71-C249-425D-9966-2BE18EF4A908}" type="datetimeFigureOut">
               <a:rPr lang="en-US" smtClean="0"/>
-              <a:t>9/28/2018</a:t>
+              <a:t>10/13/2018</a:t>
             </a:fld>
             <a:endParaRPr lang="en-US"/>
           </a:p>
